--- a/presentation.pptx
+++ b/presentation.pptx
@@ -7,9 +7,10 @@
   <p:sldIdLst>
     <p:sldId id="256" r:id="rId2"/>
     <p:sldId id="257" r:id="rId3"/>
-    <p:sldId id="258" r:id="rId4"/>
-    <p:sldId id="259" r:id="rId5"/>
-    <p:sldId id="260" r:id="rId6"/>
+    <p:sldId id="261" r:id="rId4"/>
+    <p:sldId id="258" r:id="rId5"/>
+    <p:sldId id="259" r:id="rId6"/>
+    <p:sldId id="260" r:id="rId7"/>
   </p:sldIdLst>
   <p:sldSz cx="12192000" cy="6858000"/>
   <p:notesSz cx="6858000" cy="9144000"/>
@@ -390,7 +391,7 @@
           <a:p>
             <a:fld id="{3E3E12EA-44F1-4EF4-9512-FB4748B5054B}" type="datetimeFigureOut">
               <a:rPr lang="pl-PL" smtClean="0"/>
-              <a:t>04.11.2017</a:t>
+              <a:t>16.11.2017</a:t>
             </a:fld>
             <a:endParaRPr lang="pl-PL"/>
           </a:p>
@@ -804,7 +805,7 @@
           <a:p>
             <a:fld id="{3E3E12EA-44F1-4EF4-9512-FB4748B5054B}" type="datetimeFigureOut">
               <a:rPr lang="pl-PL" smtClean="0"/>
-              <a:t>04.11.2017</a:t>
+              <a:t>16.11.2017</a:t>
             </a:fld>
             <a:endParaRPr lang="pl-PL"/>
           </a:p>
@@ -1140,7 +1141,7 @@
           <a:p>
             <a:fld id="{3E3E12EA-44F1-4EF4-9512-FB4748B5054B}" type="datetimeFigureOut">
               <a:rPr lang="pl-PL" smtClean="0"/>
-              <a:t>04.11.2017</a:t>
+              <a:t>16.11.2017</a:t>
             </a:fld>
             <a:endParaRPr lang="pl-PL"/>
           </a:p>
@@ -1545,7 +1546,7 @@
           <a:p>
             <a:fld id="{3E3E12EA-44F1-4EF4-9512-FB4748B5054B}" type="datetimeFigureOut">
               <a:rPr lang="pl-PL" smtClean="0"/>
-              <a:t>04.11.2017</a:t>
+              <a:t>16.11.2017</a:t>
             </a:fld>
             <a:endParaRPr lang="pl-PL"/>
           </a:p>
@@ -2113,7 +2114,7 @@
           <a:p>
             <a:fld id="{3E3E12EA-44F1-4EF4-9512-FB4748B5054B}" type="datetimeFigureOut">
               <a:rPr lang="pl-PL" smtClean="0"/>
-              <a:t>04.11.2017</a:t>
+              <a:t>16.11.2017</a:t>
             </a:fld>
             <a:endParaRPr lang="pl-PL"/>
           </a:p>
@@ -2794,7 +2795,7 @@
           <a:p>
             <a:fld id="{3E3E12EA-44F1-4EF4-9512-FB4748B5054B}" type="datetimeFigureOut">
               <a:rPr lang="pl-PL" smtClean="0"/>
-              <a:t>04.11.2017</a:t>
+              <a:t>16.11.2017</a:t>
             </a:fld>
             <a:endParaRPr lang="pl-PL"/>
           </a:p>
@@ -3707,7 +3708,7 @@
           <a:p>
             <a:fld id="{3E3E12EA-44F1-4EF4-9512-FB4748B5054B}" type="datetimeFigureOut">
               <a:rPr lang="pl-PL" smtClean="0"/>
-              <a:t>04.11.2017</a:t>
+              <a:t>16.11.2017</a:t>
             </a:fld>
             <a:endParaRPr lang="pl-PL"/>
           </a:p>
@@ -4020,7 +4021,7 @@
           <a:p>
             <a:fld id="{3E3E12EA-44F1-4EF4-9512-FB4748B5054B}" type="datetimeFigureOut">
               <a:rPr lang="pl-PL" smtClean="0"/>
-              <a:t>04.11.2017</a:t>
+              <a:t>16.11.2017</a:t>
             </a:fld>
             <a:endParaRPr lang="pl-PL"/>
           </a:p>
@@ -4284,7 +4285,7 @@
           <a:p>
             <a:fld id="{3E3E12EA-44F1-4EF4-9512-FB4748B5054B}" type="datetimeFigureOut">
               <a:rPr lang="pl-PL" smtClean="0"/>
-              <a:t>04.11.2017</a:t>
+              <a:t>16.11.2017</a:t>
             </a:fld>
             <a:endParaRPr lang="pl-PL"/>
           </a:p>
@@ -4607,7 +4608,7 @@
           <a:p>
             <a:fld id="{3E3E12EA-44F1-4EF4-9512-FB4748B5054B}" type="datetimeFigureOut">
               <a:rPr lang="pl-PL" smtClean="0"/>
-              <a:t>04.11.2017</a:t>
+              <a:t>16.11.2017</a:t>
             </a:fld>
             <a:endParaRPr lang="pl-PL"/>
           </a:p>
@@ -4996,7 +4997,7 @@
           <a:p>
             <a:fld id="{3E3E12EA-44F1-4EF4-9512-FB4748B5054B}" type="datetimeFigureOut">
               <a:rPr lang="pl-PL" smtClean="0"/>
-              <a:t>04.11.2017</a:t>
+              <a:t>16.11.2017</a:t>
             </a:fld>
             <a:endParaRPr lang="pl-PL"/>
           </a:p>
@@ -5372,7 +5373,7 @@
           <a:p>
             <a:fld id="{3E3E12EA-44F1-4EF4-9512-FB4748B5054B}" type="datetimeFigureOut">
               <a:rPr lang="pl-PL" smtClean="0"/>
-              <a:t>04.11.2017</a:t>
+              <a:t>16.11.2017</a:t>
             </a:fld>
             <a:endParaRPr lang="pl-PL"/>
           </a:p>
@@ -5878,7 +5879,7 @@
           <a:p>
             <a:fld id="{3E3E12EA-44F1-4EF4-9512-FB4748B5054B}" type="datetimeFigureOut">
               <a:rPr lang="pl-PL" smtClean="0"/>
-              <a:t>04.11.2017</a:t>
+              <a:t>16.11.2017</a:t>
             </a:fld>
             <a:endParaRPr lang="pl-PL"/>
           </a:p>
@@ -6135,7 +6136,7 @@
           <a:p>
             <a:fld id="{3E3E12EA-44F1-4EF4-9512-FB4748B5054B}" type="datetimeFigureOut">
               <a:rPr lang="pl-PL" smtClean="0"/>
-              <a:t>04.11.2017</a:t>
+              <a:t>16.11.2017</a:t>
             </a:fld>
             <a:endParaRPr lang="pl-PL"/>
           </a:p>
@@ -6298,7 +6299,7 @@
           <a:p>
             <a:fld id="{3E3E12EA-44F1-4EF4-9512-FB4748B5054B}" type="datetimeFigureOut">
               <a:rPr lang="pl-PL" smtClean="0"/>
-              <a:t>04.11.2017</a:t>
+              <a:t>16.11.2017</a:t>
             </a:fld>
             <a:endParaRPr lang="pl-PL"/>
           </a:p>
@@ -6688,7 +6689,7 @@
           <a:p>
             <a:fld id="{3E3E12EA-44F1-4EF4-9512-FB4748B5054B}" type="datetimeFigureOut">
               <a:rPr lang="pl-PL" smtClean="0"/>
-              <a:t>04.11.2017</a:t>
+              <a:t>16.11.2017</a:t>
             </a:fld>
             <a:endParaRPr lang="pl-PL"/>
           </a:p>
@@ -7097,7 +7098,7 @@
           <a:p>
             <a:fld id="{3E3E12EA-44F1-4EF4-9512-FB4748B5054B}" type="datetimeFigureOut">
               <a:rPr lang="pl-PL" smtClean="0"/>
-              <a:t>04.11.2017</a:t>
+              <a:t>16.11.2017</a:t>
             </a:fld>
             <a:endParaRPr lang="pl-PL"/>
           </a:p>
@@ -7341,7 +7342,7 @@
           <a:p>
             <a:fld id="{3E3E12EA-44F1-4EF4-9512-FB4748B5054B}" type="datetimeFigureOut">
               <a:rPr lang="pl-PL" smtClean="0"/>
-              <a:t>04.11.2017</a:t>
+              <a:t>16.11.2017</a:t>
             </a:fld>
             <a:endParaRPr lang="pl-PL"/>
           </a:p>
@@ -7975,48 +7976,45 @@
           <a:p>
             <a:r>
               <a:rPr lang="pl-PL" dirty="0" smtClean="0"/>
-              <a:t>Zalety wzorca Obserwator </a:t>
+              <a:t>Diagram klas</a:t>
             </a:r>
             <a:endParaRPr lang="pl-PL" dirty="0"/>
           </a:p>
         </p:txBody>
       </p:sp>
-      <p:sp>
-        <p:nvSpPr>
-          <p:cNvPr id="3" name="Symbol zastępczy zawartości 2"/>
-          <p:cNvSpPr>
-            <a:spLocks noGrp="1"/>
-          </p:cNvSpPr>
+      <p:pic>
+        <p:nvPicPr>
+          <p:cNvPr id="4" name="Symbol zastępczy zawartości 3"/>
+          <p:cNvPicPr>
+            <a:picLocks noGrp="1" noChangeAspect="1"/>
+          </p:cNvPicPr>
           <p:nvPr>
             <p:ph idx="1"/>
           </p:nvPr>
-        </p:nvSpPr>
-        <p:spPr/>
-        <p:txBody>
-          <a:bodyPr/>
-          <a:lstStyle/>
-          <a:p>
-            <a:r>
-              <a:rPr lang="pl-PL" dirty="0" smtClean="0"/>
-              <a:t>Podmiot nie musi posiadać szczegółowej wiedzy o obserwatorach. Podmiot ogranicza się do poinformowania obserwatorów o zmianie swojego stanu. </a:t>
-            </a:r>
-          </a:p>
-          <a:p>
-            <a:endParaRPr lang="pl-PL" dirty="0"/>
-          </a:p>
-          <a:p>
-            <a:r>
-              <a:rPr lang="pl-PL" dirty="0" smtClean="0"/>
-              <a:t>Silniejsza izolacja powiązanych ze sobą podsystemów.</a:t>
-            </a:r>
-            <a:endParaRPr lang="pl-PL" dirty="0"/>
-          </a:p>
-        </p:txBody>
-      </p:sp>
+        </p:nvPicPr>
+        <p:blipFill>
+          <a:blip r:embed="rId2">
+            <a:extLst>
+              <a:ext uri="{28A0092B-C50C-407E-A947-70E740481C1C}">
+                <a14:useLocalDpi xmlns:a14="http://schemas.microsoft.com/office/drawing/2010/main" val="0"/>
+              </a:ext>
+            </a:extLst>
+          </a:blip>
+          <a:stretch>
+            <a:fillRect/>
+          </a:stretch>
+        </p:blipFill>
+        <p:spPr>
+          <a:xfrm>
+            <a:off x="753227" y="2433918"/>
+            <a:ext cx="9468048" cy="3633228"/>
+          </a:xfrm>
+        </p:spPr>
+      </p:pic>
     </p:spTree>
     <p:extLst>
       <p:ext uri="{BB962C8B-B14F-4D97-AF65-F5344CB8AC3E}">
-        <p14:creationId xmlns:p14="http://schemas.microsoft.com/office/powerpoint/2010/main" val="1331378800"/>
+        <p14:creationId xmlns:p14="http://schemas.microsoft.com/office/powerpoint/2010/main" val="1203143069"/>
       </p:ext>
     </p:extLst>
   </p:cSld>
@@ -8060,6 +8058,91 @@
           <a:p>
             <a:r>
               <a:rPr lang="pl-PL" dirty="0" smtClean="0"/>
+              <a:t>Zalety wzorca Obserwator </a:t>
+            </a:r>
+            <a:endParaRPr lang="pl-PL" dirty="0"/>
+          </a:p>
+        </p:txBody>
+      </p:sp>
+      <p:sp>
+        <p:nvSpPr>
+          <p:cNvPr id="3" name="Symbol zastępczy zawartości 2"/>
+          <p:cNvSpPr>
+            <a:spLocks noGrp="1"/>
+          </p:cNvSpPr>
+          <p:nvPr>
+            <p:ph idx="1"/>
+          </p:nvPr>
+        </p:nvSpPr>
+        <p:spPr/>
+        <p:txBody>
+          <a:bodyPr/>
+          <a:lstStyle/>
+          <a:p>
+            <a:r>
+              <a:rPr lang="pl-PL" dirty="0" smtClean="0"/>
+              <a:t>Podmiot nie musi posiadać szczegółowej wiedzy o obserwatorach. Podmiot ogranicza się do poinformowania obserwatorów o zmianie swojego stanu. </a:t>
+            </a:r>
+          </a:p>
+          <a:p>
+            <a:endParaRPr lang="pl-PL" dirty="0"/>
+          </a:p>
+          <a:p>
+            <a:r>
+              <a:rPr lang="pl-PL" dirty="0" smtClean="0"/>
+              <a:t>Silniejsza izolacja powiązanych ze sobą podsystemów.</a:t>
+            </a:r>
+            <a:endParaRPr lang="pl-PL" dirty="0"/>
+          </a:p>
+        </p:txBody>
+      </p:sp>
+    </p:spTree>
+    <p:extLst>
+      <p:ext uri="{BB962C8B-B14F-4D97-AF65-F5344CB8AC3E}">
+        <p14:creationId xmlns:p14="http://schemas.microsoft.com/office/powerpoint/2010/main" val="1331378800"/>
+      </p:ext>
+    </p:extLst>
+  </p:cSld>
+  <p:clrMapOvr>
+    <a:masterClrMapping/>
+  </p:clrMapOvr>
+</p:sld>
+</file>
+
+<file path=ppt/slides/slide5.xml><?xml version="1.0" encoding="utf-8"?>
+<p:sld xmlns:a="http://schemas.openxmlformats.org/drawingml/2006/main" xmlns:r="http://schemas.openxmlformats.org/officeDocument/2006/relationships" xmlns:p="http://schemas.openxmlformats.org/presentationml/2006/main">
+  <p:cSld>
+    <p:spTree>
+      <p:nvGrpSpPr>
+        <p:cNvPr id="1" name=""/>
+        <p:cNvGrpSpPr/>
+        <p:nvPr/>
+      </p:nvGrpSpPr>
+      <p:grpSpPr>
+        <a:xfrm>
+          <a:off x="0" y="0"/>
+          <a:ext cx="0" cy="0"/>
+          <a:chOff x="0" y="0"/>
+          <a:chExt cx="0" cy="0"/>
+        </a:xfrm>
+      </p:grpSpPr>
+      <p:sp>
+        <p:nvSpPr>
+          <p:cNvPr id="2" name="Tytuł 1"/>
+          <p:cNvSpPr>
+            <a:spLocks noGrp="1"/>
+          </p:cNvSpPr>
+          <p:nvPr>
+            <p:ph type="title"/>
+          </p:nvPr>
+        </p:nvSpPr>
+        <p:spPr/>
+        <p:txBody>
+          <a:bodyPr/>
+          <a:lstStyle/>
+          <a:p>
+            <a:r>
+              <a:rPr lang="pl-PL" dirty="0" smtClean="0"/>
               <a:t>Wady wzorca obserwator</a:t>
             </a:r>
             <a:endParaRPr lang="pl-PL" dirty="0"/>
@@ -8111,7 +8194,7 @@
 </p:sld>
 </file>
 
-<file path=ppt/slides/slide5.xml><?xml version="1.0" encoding="utf-8"?>
+<file path=ppt/slides/slide6.xml><?xml version="1.0" encoding="utf-8"?>
 <p:sld xmlns:a="http://schemas.openxmlformats.org/drawingml/2006/main" xmlns:r="http://schemas.openxmlformats.org/officeDocument/2006/relationships" xmlns:p="http://schemas.openxmlformats.org/presentationml/2006/main">
   <p:cSld>
     <p:spTree>
